--- a/docs/week-9-sorting/ce205-week-9-sorting.md_word.pptx
+++ b/docs/week-9-sorting/ce205-week-9-sorting.md_word.pptx
@@ -9,6 +9,28 @@
     <p:sldId id="257" r:id="rId3"/>
     <p:sldId id="258" r:id="rId4"/>
     <p:sldId id="259" r:id="rId5"/>
+    <p:sldId id="260" r:id="rId6"/>
+    <p:sldId id="261" r:id="rId7"/>
+    <p:sldId id="262" r:id="rId8"/>
+    <p:sldId id="263" r:id="rId9"/>
+    <p:sldId id="264" r:id="rId10"/>
+    <p:sldId id="265" r:id="rId11"/>
+    <p:sldId id="266" r:id="rId12"/>
+    <p:sldId id="267" r:id="rId13"/>
+    <p:sldId id="268" r:id="rId14"/>
+    <p:sldId id="269" r:id="rId15"/>
+    <p:sldId id="270" r:id="rId16"/>
+    <p:sldId id="271" r:id="rId17"/>
+    <p:sldId id="272" r:id="rId18"/>
+    <p:sldId id="273" r:id="rId19"/>
+    <p:sldId id="274" r:id="rId20"/>
+    <p:sldId id="275" r:id="rId21"/>
+    <p:sldId id="276" r:id="rId22"/>
+    <p:sldId id="277" r:id="rId23"/>
+    <p:sldId id="278" r:id="rId24"/>
+    <p:sldId id="279" r:id="rId25"/>
+    <p:sldId id="280" r:id="rId26"/>
+    <p:sldId id="281" r:id="rId27"/>
   </p:sldIdLst>
   <p:sldSz cx="9144000" cy="6858000" type="screen4x3"/>
   <p:notesSz cx="6858000" cy="9144000"/>
@@ -3210,6 +3232,902 @@
 </p:sld>
 </file>
 
+<file path=ppt/slides/slide10.xml><?xml version="1.0" encoding="utf-8"?>
+<p:sld xmlns:a="http://schemas.openxmlformats.org/drawingml/2006/main" xmlns:r="http://schemas.openxmlformats.org/officeDocument/2006/relationships" xmlns:p="http://schemas.openxmlformats.org/presentationml/2006/main">
+  <p:cSld>
+    <p:spTree>
+      <p:nvGrpSpPr>
+        <p:cNvPr id="1" name=""/>
+        <p:cNvGrpSpPr/>
+        <p:nvPr/>
+      </p:nvGrpSpPr>
+      <p:grpSpPr>
+        <a:xfrm>
+          <a:off x="0" y="0"/>
+          <a:ext cx="0" cy="0"/>
+          <a:chOff x="0" y="0"/>
+          <a:chExt cx="0" cy="0"/>
+        </a:xfrm>
+      </p:grpSpPr>
+      <p:sp>
+        <p:nvSpPr>
+          <p:cNvPr id="2" name="Title 1"/>
+          <p:cNvSpPr>
+            <a:spLocks noGrp="1"/>
+          </p:cNvSpPr>
+          <p:nvPr>
+            <p:ph type="title"/>
+          </p:nvPr>
+        </p:nvSpPr>
+        <p:spPr/>
+        <p:txBody>
+          <a:bodyPr/>
+          <a:lstStyle/>
+          <a:p>
+            <a:pPr lvl="0" indent="0" marL="0">
+              <a:buNone/>
+            </a:pPr>
+            <a:r>
+              <a:rPr/>
+              <a:t>Selection Sort</a:t>
+            </a:r>
+          </a:p>
+        </p:txBody>
+      </p:sp>
+      <p:sp>
+        <p:nvSpPr>
+          <p:cNvPr id="3" name="Content Placeholder 2"/>
+          <p:cNvSpPr>
+            <a:spLocks noGrp="1"/>
+          </p:cNvSpPr>
+          <p:nvPr>
+            <p:ph idx="1"/>
+          </p:nvPr>
+        </p:nvSpPr>
+        <p:spPr/>
+        <p:txBody>
+          <a:bodyPr/>
+          <a:lstStyle/>
+          <a:p>
+            <a:pPr lvl="0"/>
+            <a:r>
+              <a:rPr/>
+              <a:t>https://www.programiz.com/dsa/selection-sort</a:t>
+            </a:r>
+          </a:p>
+          <a:p>
+            <a:pPr lvl="0"/>
+            <a:r>
+              <a:rPr/>
+              <a:t>https://visualgo.net/en/sorting (select SEL)</a:t>
+            </a:r>
+          </a:p>
+          <a:p>
+            <a:pPr lvl="0"/>
+            <a:r>
+              <a:rPr/>
+              <a:t>http://www.btechsmartclass.com/data_structures/selection-sort.html</a:t>
+            </a:r>
+          </a:p>
+          <a:p>
+            <a:pPr lvl="0"/>
+            <a:r>
+              <a:rPr/>
+              <a:t>https://www.geeksforgeeks.org/selection-sort/</a:t>
+            </a:r>
+          </a:p>
+          <a:p>
+            <a:pPr lvl="0"/>
+            <a:r>
+              <a:rPr/>
+              <a:t>https://rosettacode.org/wiki/Sorting_algorithms/Selection_sort</a:t>
+            </a:r>
+          </a:p>
+          <a:p>
+            <a:pPr lvl="0"/>
+            <a:r>
+              <a:rPr/>
+              <a:t>https://xlinux.nist.gov/dads/HTML/selectionSort.html</a:t>
+            </a:r>
+          </a:p>
+        </p:txBody>
+      </p:sp>
+    </p:spTree>
+  </p:cSld>
+</p:sld>
+</file>
+
+<file path=ppt/slides/slide11.xml><?xml version="1.0" encoding="utf-8"?>
+<p:sld xmlns:a="http://schemas.openxmlformats.org/drawingml/2006/main" xmlns:r="http://schemas.openxmlformats.org/officeDocument/2006/relationships" xmlns:p="http://schemas.openxmlformats.org/presentationml/2006/main">
+  <p:cSld>
+    <p:spTree>
+      <p:nvGrpSpPr>
+        <p:cNvPr id="1" name=""/>
+        <p:cNvGrpSpPr/>
+        <p:nvPr/>
+      </p:nvGrpSpPr>
+      <p:grpSpPr>
+        <a:xfrm>
+          <a:off x="0" y="0"/>
+          <a:ext cx="0" cy="0"/>
+          <a:chOff x="0" y="0"/>
+          <a:chExt cx="0" cy="0"/>
+        </a:xfrm>
+      </p:grpSpPr>
+      <p:sp>
+        <p:nvSpPr>
+          <p:cNvPr id="2" name="Title 1"/>
+          <p:cNvSpPr>
+            <a:spLocks noGrp="1"/>
+          </p:cNvSpPr>
+          <p:nvPr>
+            <p:ph type="title"/>
+          </p:nvPr>
+        </p:nvSpPr>
+        <p:spPr/>
+        <p:txBody>
+          <a:bodyPr/>
+          <a:lstStyle/>
+          <a:p>
+            <a:pPr lvl="0" indent="0" marL="0">
+              <a:buNone/>
+            </a:pPr>
+            <a:r>
+              <a:rPr/>
+              <a:t>Radix Sort</a:t>
+            </a:r>
+          </a:p>
+        </p:txBody>
+      </p:sp>
+      <p:sp>
+        <p:nvSpPr>
+          <p:cNvPr id="3" name="Content Placeholder 2"/>
+          <p:cNvSpPr>
+            <a:spLocks noGrp="1"/>
+          </p:cNvSpPr>
+          <p:nvPr>
+            <p:ph idx="1"/>
+          </p:nvPr>
+        </p:nvSpPr>
+        <p:spPr/>
+        <p:txBody>
+          <a:bodyPr/>
+          <a:lstStyle/>
+          <a:p>
+            <a:pPr lvl="0"/>
+            <a:r>
+              <a:rPr/>
+              <a:t>https://www.programiz.com/dsa/radix-sort</a:t>
+            </a:r>
+          </a:p>
+          <a:p>
+            <a:pPr lvl="0"/>
+            <a:r>
+              <a:rPr/>
+              <a:t>https://visualgo.net/en/sorting (select RAD)</a:t>
+            </a:r>
+          </a:p>
+          <a:p>
+            <a:pPr lvl="0"/>
+            <a:r>
+              <a:rPr/>
+              <a:t>http://www.btechsmartclass.com/data_structures/radix-sort.html</a:t>
+            </a:r>
+          </a:p>
+          <a:p>
+            <a:pPr lvl="0"/>
+            <a:r>
+              <a:rPr/>
+              <a:t>https://www.geeksforgeeks.org/radix-sort/</a:t>
+            </a:r>
+          </a:p>
+          <a:p>
+            <a:pPr lvl="0"/>
+            <a:r>
+              <a:rPr/>
+              <a:t>https://rosettacode.org/wiki/Sorting_algorithms/Radix_sort</a:t>
+            </a:r>
+          </a:p>
+          <a:p>
+            <a:pPr lvl="0"/>
+            <a:r>
+              <a:rPr/>
+              <a:t>https://xlinux.nist.gov/dads/HTML/radixsort.html</a:t>
+            </a:r>
+          </a:p>
+        </p:txBody>
+      </p:sp>
+    </p:spTree>
+  </p:cSld>
+</p:sld>
+</file>
+
+<file path=ppt/slides/slide12.xml><?xml version="1.0" encoding="utf-8"?>
+<p:sld xmlns:a="http://schemas.openxmlformats.org/drawingml/2006/main" xmlns:r="http://schemas.openxmlformats.org/officeDocument/2006/relationships" xmlns:p="http://schemas.openxmlformats.org/presentationml/2006/main">
+  <p:cSld>
+    <p:spTree>
+      <p:nvGrpSpPr>
+        <p:cNvPr id="1" name=""/>
+        <p:cNvGrpSpPr/>
+        <p:nvPr/>
+      </p:nvGrpSpPr>
+      <p:grpSpPr>
+        <a:xfrm>
+          <a:off x="0" y="0"/>
+          <a:ext cx="0" cy="0"/>
+          <a:chOff x="0" y="0"/>
+          <a:chExt cx="0" cy="0"/>
+        </a:xfrm>
+      </p:grpSpPr>
+      <p:sp>
+        <p:nvSpPr>
+          <p:cNvPr id="2" name="Title 1"/>
+          <p:cNvSpPr>
+            <a:spLocks noGrp="1"/>
+          </p:cNvSpPr>
+          <p:nvPr>
+            <p:ph type="title"/>
+          </p:nvPr>
+        </p:nvSpPr>
+        <p:spPr/>
+        <p:txBody>
+          <a:bodyPr/>
+          <a:lstStyle/>
+          <a:p>
+            <a:pPr lvl="0" indent="0" marL="0">
+              <a:buNone/>
+            </a:pPr>
+            <a:r>
+              <a:rPr/>
+              <a:t>Quick Sort</a:t>
+            </a:r>
+          </a:p>
+        </p:txBody>
+      </p:sp>
+      <p:sp>
+        <p:nvSpPr>
+          <p:cNvPr id="3" name="Content Placeholder 2"/>
+          <p:cNvSpPr>
+            <a:spLocks noGrp="1"/>
+          </p:cNvSpPr>
+          <p:nvPr>
+            <p:ph idx="1"/>
+          </p:nvPr>
+        </p:nvSpPr>
+        <p:spPr/>
+        <p:txBody>
+          <a:bodyPr/>
+          <a:lstStyle/>
+          <a:p>
+            <a:pPr lvl="0"/>
+            <a:r>
+              <a:rPr/>
+              <a:t>https://www.programiz.com/dsa/quick-sort</a:t>
+            </a:r>
+          </a:p>
+          <a:p>
+            <a:pPr lvl="0"/>
+            <a:r>
+              <a:rPr/>
+              <a:t>https://visualgo.net/en/sorting (select QUI)</a:t>
+            </a:r>
+          </a:p>
+          <a:p>
+            <a:pPr lvl="0"/>
+            <a:r>
+              <a:rPr/>
+              <a:t>http://www.btechsmartclass.com/data_structures/quick-sort.html</a:t>
+            </a:r>
+          </a:p>
+          <a:p>
+            <a:pPr lvl="0"/>
+            <a:r>
+              <a:rPr/>
+              <a:t>https://www.geeksforgeeks.org/quick-sort/</a:t>
+            </a:r>
+          </a:p>
+          <a:p>
+            <a:pPr lvl="0"/>
+            <a:r>
+              <a:rPr/>
+              <a:t>https://rosettacode.org/wiki/Sorting_algorithms/Quicksort</a:t>
+            </a:r>
+          </a:p>
+          <a:p>
+            <a:pPr lvl="0"/>
+            <a:r>
+              <a:rPr/>
+              <a:t>https://xlinux.nist.gov/dads/HTML/quicksort.html</a:t>
+            </a:r>
+          </a:p>
+          <a:p>
+            <a:pPr lvl="0"/>
+            <a:r>
+              <a:rPr/>
+              <a:t>https://xlinux.nist.gov/dads/HTML/multikeyQuicksort.html</a:t>
+            </a:r>
+          </a:p>
+        </p:txBody>
+      </p:sp>
+    </p:spTree>
+  </p:cSld>
+</p:sld>
+</file>
+
+<file path=ppt/slides/slide13.xml><?xml version="1.0" encoding="utf-8"?>
+<p:sld xmlns:a="http://schemas.openxmlformats.org/drawingml/2006/main" xmlns:r="http://schemas.openxmlformats.org/officeDocument/2006/relationships" xmlns:p="http://schemas.openxmlformats.org/presentationml/2006/main">
+  <p:cSld>
+    <p:spTree>
+      <p:nvGrpSpPr>
+        <p:cNvPr id="1" name=""/>
+        <p:cNvGrpSpPr/>
+        <p:nvPr/>
+      </p:nvGrpSpPr>
+      <p:grpSpPr>
+        <a:xfrm>
+          <a:off x="0" y="0"/>
+          <a:ext cx="0" cy="0"/>
+          <a:chOff x="0" y="0"/>
+          <a:chExt cx="0" cy="0"/>
+        </a:xfrm>
+      </p:grpSpPr>
+      <p:sp>
+        <p:nvSpPr>
+          <p:cNvPr id="2" name="Title 1"/>
+          <p:cNvSpPr>
+            <a:spLocks noGrp="1"/>
+          </p:cNvSpPr>
+          <p:nvPr>
+            <p:ph type="title"/>
+          </p:nvPr>
+        </p:nvSpPr>
+        <p:spPr/>
+        <p:txBody>
+          <a:bodyPr/>
+          <a:lstStyle/>
+          <a:p>
+            <a:pPr lvl="0" indent="0" marL="0">
+              <a:buNone/>
+            </a:pPr>
+            <a:r>
+              <a:rPr/>
+              <a:t>Heap Sort</a:t>
+            </a:r>
+          </a:p>
+        </p:txBody>
+      </p:sp>
+      <p:sp>
+        <p:nvSpPr>
+          <p:cNvPr id="3" name="Content Placeholder 2"/>
+          <p:cNvSpPr>
+            <a:spLocks noGrp="1"/>
+          </p:cNvSpPr>
+          <p:nvPr>
+            <p:ph idx="1"/>
+          </p:nvPr>
+        </p:nvSpPr>
+        <p:spPr/>
+        <p:txBody>
+          <a:bodyPr/>
+          <a:lstStyle/>
+          <a:p>
+            <a:pPr lvl="0"/>
+            <a:r>
+              <a:rPr/>
+              <a:t>https://www.programiz.com/dsa/heap-sort</a:t>
+            </a:r>
+          </a:p>
+          <a:p>
+            <a:pPr lvl="0"/>
+            <a:r>
+              <a:rPr/>
+              <a:t>http://www.btechsmartclass.com/data_structures/heap-sort.html</a:t>
+            </a:r>
+          </a:p>
+          <a:p>
+            <a:pPr lvl="0"/>
+            <a:r>
+              <a:rPr/>
+              <a:t>https://visualgo.net/en/heap</a:t>
+            </a:r>
+          </a:p>
+          <a:p>
+            <a:pPr lvl="0"/>
+            <a:r>
+              <a:rPr/>
+              <a:t>https://www.geeksforgeeks.org/heap-sort/</a:t>
+            </a:r>
+          </a:p>
+          <a:p>
+            <a:pPr lvl="0"/>
+            <a:r>
+              <a:rPr/>
+              <a:t>https://rosettacode.org/wiki/Sorting_algorithms/Heapsort</a:t>
+            </a:r>
+          </a:p>
+          <a:p>
+            <a:pPr lvl="0"/>
+            <a:r>
+              <a:rPr/>
+              <a:t>https://xlinux.nist.gov/dads/HTML/heapSort.html</a:t>
+            </a:r>
+          </a:p>
+        </p:txBody>
+      </p:sp>
+    </p:spTree>
+  </p:cSld>
+</p:sld>
+</file>
+
+<file path=ppt/slides/slide14.xml><?xml version="1.0" encoding="utf-8"?>
+<p:sld xmlns:a="http://schemas.openxmlformats.org/drawingml/2006/main" xmlns:r="http://schemas.openxmlformats.org/officeDocument/2006/relationships" xmlns:p="http://schemas.openxmlformats.org/presentationml/2006/main">
+  <p:cSld>
+    <p:spTree>
+      <p:nvGrpSpPr>
+        <p:cNvPr id="1" name=""/>
+        <p:cNvGrpSpPr/>
+        <p:nvPr/>
+      </p:nvGrpSpPr>
+      <p:grpSpPr>
+        <a:xfrm>
+          <a:off x="0" y="0"/>
+          <a:ext cx="0" cy="0"/>
+          <a:chOff x="0" y="0"/>
+          <a:chExt cx="0" cy="0"/>
+        </a:xfrm>
+      </p:grpSpPr>
+      <p:sp>
+        <p:nvSpPr>
+          <p:cNvPr id="2" name="Title 1"/>
+          <p:cNvSpPr>
+            <a:spLocks noGrp="1"/>
+          </p:cNvSpPr>
+          <p:nvPr>
+            <p:ph type="title"/>
+          </p:nvPr>
+        </p:nvSpPr>
+        <p:spPr/>
+        <p:txBody>
+          <a:bodyPr/>
+          <a:lstStyle/>
+          <a:p>
+            <a:pPr lvl="0" indent="0" marL="0">
+              <a:buNone/>
+            </a:pPr>
+            <a:r>
+              <a:rPr/>
+              <a:t>Permutation Sort</a:t>
+            </a:r>
+          </a:p>
+        </p:txBody>
+      </p:sp>
+      <p:sp>
+        <p:nvSpPr>
+          <p:cNvPr id="3" name="Content Placeholder 2"/>
+          <p:cNvSpPr>
+            <a:spLocks noGrp="1"/>
+          </p:cNvSpPr>
+          <p:nvPr>
+            <p:ph idx="1"/>
+          </p:nvPr>
+        </p:nvSpPr>
+        <p:spPr/>
+        <p:txBody>
+          <a:bodyPr/>
+          <a:lstStyle/>
+          <a:p>
+            <a:pPr lvl="0"/>
+            <a:r>
+              <a:rPr/>
+              <a:t>https://www.geeksforgeeks.org/bogosort-permutation-sort/</a:t>
+            </a:r>
+          </a:p>
+          <a:p>
+            <a:pPr lvl="0"/>
+            <a:r>
+              <a:rPr/>
+              <a:t>https://rosettacode.org/wiki/Sorting_algorithms/Permutation_sort</a:t>
+            </a:r>
+          </a:p>
+        </p:txBody>
+      </p:sp>
+    </p:spTree>
+  </p:cSld>
+</p:sld>
+</file>
+
+<file path=ppt/slides/slide15.xml><?xml version="1.0" encoding="utf-8"?>
+<p:sld xmlns:a="http://schemas.openxmlformats.org/drawingml/2006/main" xmlns:r="http://schemas.openxmlformats.org/officeDocument/2006/relationships" xmlns:p="http://schemas.openxmlformats.org/presentationml/2006/main">
+  <p:cSld>
+    <p:spTree>
+      <p:nvGrpSpPr>
+        <p:cNvPr id="1" name=""/>
+        <p:cNvGrpSpPr/>
+        <p:nvPr/>
+      </p:nvGrpSpPr>
+      <p:grpSpPr>
+        <a:xfrm>
+          <a:off x="0" y="0"/>
+          <a:ext cx="0" cy="0"/>
+          <a:chOff x="0" y="0"/>
+          <a:chExt cx="0" cy="0"/>
+        </a:xfrm>
+      </p:grpSpPr>
+      <p:sp>
+        <p:nvSpPr>
+          <p:cNvPr id="2" name="Title 1"/>
+          <p:cNvSpPr>
+            <a:spLocks noGrp="1"/>
+          </p:cNvSpPr>
+          <p:nvPr>
+            <p:ph type="title"/>
+          </p:nvPr>
+        </p:nvSpPr>
+        <p:spPr/>
+        <p:txBody>
+          <a:bodyPr/>
+          <a:lstStyle/>
+          <a:p>
+            <a:pPr lvl="0" indent="0" marL="0">
+              <a:buNone/>
+            </a:pPr>
+            <a:r>
+              <a:rPr/>
+              <a:t>Gnome Sort</a:t>
+            </a:r>
+          </a:p>
+        </p:txBody>
+      </p:sp>
+      <p:sp>
+        <p:nvSpPr>
+          <p:cNvPr id="3" name="Content Placeholder 2"/>
+          <p:cNvSpPr>
+            <a:spLocks noGrp="1"/>
+          </p:cNvSpPr>
+          <p:nvPr>
+            <p:ph idx="1"/>
+          </p:nvPr>
+        </p:nvSpPr>
+        <p:spPr/>
+        <p:txBody>
+          <a:bodyPr/>
+          <a:lstStyle/>
+          <a:p>
+            <a:pPr lvl="0"/>
+            <a:r>
+              <a:rPr/>
+              <a:t>https://www.geeksforgeeks.org/gnome-sort-a-stupid-one/?ref=lbp</a:t>
+            </a:r>
+          </a:p>
+          <a:p>
+            <a:pPr lvl="0"/>
+            <a:r>
+              <a:rPr/>
+              <a:t>https://rosettacode.org/wiki/Sorting_algorithms/Gnome_sort</a:t>
+            </a:r>
+          </a:p>
+        </p:txBody>
+      </p:sp>
+    </p:spTree>
+  </p:cSld>
+</p:sld>
+</file>
+
+<file path=ppt/slides/slide16.xml><?xml version="1.0" encoding="utf-8"?>
+<p:sld xmlns:a="http://schemas.openxmlformats.org/drawingml/2006/main" xmlns:r="http://schemas.openxmlformats.org/officeDocument/2006/relationships" xmlns:p="http://schemas.openxmlformats.org/presentationml/2006/main">
+  <p:cSld>
+    <p:spTree>
+      <p:nvGrpSpPr>
+        <p:cNvPr id="1" name=""/>
+        <p:cNvGrpSpPr/>
+        <p:nvPr/>
+      </p:nvGrpSpPr>
+      <p:grpSpPr>
+        <a:xfrm>
+          <a:off x="0" y="0"/>
+          <a:ext cx="0" cy="0"/>
+          <a:chOff x="0" y="0"/>
+          <a:chExt cx="0" cy="0"/>
+        </a:xfrm>
+      </p:grpSpPr>
+      <p:sp>
+        <p:nvSpPr>
+          <p:cNvPr id="2" name="Title 1"/>
+          <p:cNvSpPr>
+            <a:spLocks noGrp="1"/>
+          </p:cNvSpPr>
+          <p:nvPr>
+            <p:ph type="title"/>
+          </p:nvPr>
+        </p:nvSpPr>
+        <p:spPr/>
+        <p:txBody>
+          <a:bodyPr/>
+          <a:lstStyle/>
+          <a:p>
+            <a:pPr lvl="0" indent="0" marL="0">
+              <a:buNone/>
+            </a:pPr>
+            <a:r>
+              <a:rPr/>
+              <a:t>Comb Sort</a:t>
+            </a:r>
+          </a:p>
+        </p:txBody>
+      </p:sp>
+      <p:sp>
+        <p:nvSpPr>
+          <p:cNvPr id="3" name="Content Placeholder 2"/>
+          <p:cNvSpPr>
+            <a:spLocks noGrp="1"/>
+          </p:cNvSpPr>
+          <p:nvPr>
+            <p:ph idx="1"/>
+          </p:nvPr>
+        </p:nvSpPr>
+        <p:spPr/>
+        <p:txBody>
+          <a:bodyPr/>
+          <a:lstStyle/>
+          <a:p>
+            <a:pPr lvl="0"/>
+            <a:r>
+              <a:rPr/>
+              <a:t>https://www.geeksforgeeks.org/comb-sort/</a:t>
+            </a:r>
+          </a:p>
+          <a:p>
+            <a:pPr lvl="0"/>
+            <a:r>
+              <a:rPr/>
+              <a:t>https://rosettacode.org/wiki/Sorting_algorithms/Comb_sort</a:t>
+            </a:r>
+          </a:p>
+        </p:txBody>
+      </p:sp>
+    </p:spTree>
+  </p:cSld>
+</p:sld>
+</file>
+
+<file path=ppt/slides/slide17.xml><?xml version="1.0" encoding="utf-8"?>
+<p:sld xmlns:a="http://schemas.openxmlformats.org/drawingml/2006/main" xmlns:r="http://schemas.openxmlformats.org/officeDocument/2006/relationships" xmlns:p="http://schemas.openxmlformats.org/presentationml/2006/main">
+  <p:cSld>
+    <p:spTree>
+      <p:nvGrpSpPr>
+        <p:cNvPr id="1" name=""/>
+        <p:cNvGrpSpPr/>
+        <p:nvPr/>
+      </p:nvGrpSpPr>
+      <p:grpSpPr>
+        <a:xfrm>
+          <a:off x="0" y="0"/>
+          <a:ext cx="0" cy="0"/>
+          <a:chOff x="0" y="0"/>
+          <a:chExt cx="0" cy="0"/>
+        </a:xfrm>
+      </p:grpSpPr>
+      <p:sp>
+        <p:nvSpPr>
+          <p:cNvPr id="2" name="Title 1"/>
+          <p:cNvSpPr>
+            <a:spLocks noGrp="1"/>
+          </p:cNvSpPr>
+          <p:nvPr>
+            <p:ph type="title"/>
+          </p:nvPr>
+        </p:nvSpPr>
+        <p:spPr/>
+        <p:txBody>
+          <a:bodyPr/>
+          <a:lstStyle/>
+          <a:p>
+            <a:pPr lvl="0" indent="0" marL="0">
+              <a:buNone/>
+            </a:pPr>
+            <a:r>
+              <a:rPr/>
+              <a:t>Flash Sort</a:t>
+            </a:r>
+          </a:p>
+        </p:txBody>
+      </p:sp>
+      <p:sp>
+        <p:nvSpPr>
+          <p:cNvPr id="3" name="Content Placeholder 2"/>
+          <p:cNvSpPr>
+            <a:spLocks noGrp="1"/>
+          </p:cNvSpPr>
+          <p:nvPr>
+            <p:ph idx="1"/>
+          </p:nvPr>
+        </p:nvSpPr>
+        <p:spPr/>
+        <p:txBody>
+          <a:bodyPr/>
+          <a:lstStyle/>
+          <a:p>
+            <a:pPr lvl="0"/>
+            <a:r>
+              <a:rPr/>
+              <a:t>https://en.wikipedia.org/wiki/Flashsort</a:t>
+            </a:r>
+          </a:p>
+          <a:p>
+            <a:pPr lvl="0"/>
+            <a:r>
+              <a:rPr/>
+              <a:t>https://www.drdobbs.com/database/the-flashsort1-algorithm/184410496</a:t>
+            </a:r>
+          </a:p>
+        </p:txBody>
+      </p:sp>
+    </p:spTree>
+  </p:cSld>
+</p:sld>
+</file>
+
+<file path=ppt/slides/slide18.xml><?xml version="1.0" encoding="utf-8"?>
+<p:sld xmlns:a="http://schemas.openxmlformats.org/drawingml/2006/main" xmlns:r="http://schemas.openxmlformats.org/officeDocument/2006/relationships" xmlns:p="http://schemas.openxmlformats.org/presentationml/2006/main">
+  <p:cSld>
+    <p:spTree>
+      <p:nvGrpSpPr>
+        <p:cNvPr id="1" name=""/>
+        <p:cNvGrpSpPr/>
+        <p:nvPr/>
+      </p:nvGrpSpPr>
+      <p:grpSpPr>
+        <a:xfrm>
+          <a:off x="0" y="0"/>
+          <a:ext cx="0" cy="0"/>
+          <a:chOff x="0" y="0"/>
+          <a:chExt cx="0" cy="0"/>
+        </a:xfrm>
+      </p:grpSpPr>
+      <p:sp>
+        <p:nvSpPr>
+          <p:cNvPr id="2" name="Title 1"/>
+          <p:cNvSpPr>
+            <a:spLocks noGrp="1"/>
+          </p:cNvSpPr>
+          <p:nvPr>
+            <p:ph type="title"/>
+          </p:nvPr>
+        </p:nvSpPr>
+        <p:spPr/>
+        <p:txBody>
+          <a:bodyPr/>
+          <a:lstStyle/>
+          <a:p>
+            <a:pPr lvl="0" indent="0" marL="0">
+              <a:buNone/>
+            </a:pPr>
+            <a:r>
+              <a:rPr/>
+              <a:t>Stooge Sort</a:t>
+            </a:r>
+          </a:p>
+        </p:txBody>
+      </p:sp>
+      <p:sp>
+        <p:nvSpPr>
+          <p:cNvPr id="3" name="Content Placeholder 2"/>
+          <p:cNvSpPr>
+            <a:spLocks noGrp="1"/>
+          </p:cNvSpPr>
+          <p:nvPr>
+            <p:ph idx="1"/>
+          </p:nvPr>
+        </p:nvSpPr>
+        <p:spPr/>
+        <p:txBody>
+          <a:bodyPr/>
+          <a:lstStyle/>
+          <a:p>
+            <a:pPr lvl="0"/>
+            <a:r>
+              <a:rPr/>
+              <a:t>https://xlinux.nist.gov/dads/HTML/stoogesort.html</a:t>
+            </a:r>
+          </a:p>
+          <a:p>
+            <a:pPr lvl="0"/>
+            <a:r>
+              <a:rPr/>
+              <a:t>https://en.wikipedia.org/wiki/Stooge_sort</a:t>
+            </a:r>
+          </a:p>
+          <a:p>
+            <a:pPr lvl="0"/>
+            <a:r>
+              <a:rPr/>
+              <a:t>https://courses.cs.washington.edu/courses/cse373/13wi/lectures/02-22/18-sorting1-bogo-stooge-bubble.pdf</a:t>
+            </a:r>
+          </a:p>
+        </p:txBody>
+      </p:sp>
+    </p:spTree>
+  </p:cSld>
+</p:sld>
+</file>
+
+<file path=ppt/slides/slide19.xml><?xml version="1.0" encoding="utf-8"?>
+<p:sld xmlns:a="http://schemas.openxmlformats.org/drawingml/2006/main" xmlns:r="http://schemas.openxmlformats.org/officeDocument/2006/relationships" xmlns:p="http://schemas.openxmlformats.org/presentationml/2006/main">
+  <p:cSld>
+    <p:spTree>
+      <p:nvGrpSpPr>
+        <p:cNvPr id="1" name=""/>
+        <p:cNvGrpSpPr/>
+        <p:nvPr/>
+      </p:nvGrpSpPr>
+      <p:grpSpPr>
+        <a:xfrm>
+          <a:off x="0" y="0"/>
+          <a:ext cx="0" cy="0"/>
+          <a:chOff x="0" y="0"/>
+          <a:chExt cx="0" cy="0"/>
+        </a:xfrm>
+      </p:grpSpPr>
+      <p:sp>
+        <p:nvSpPr>
+          <p:cNvPr id="2" name="Title 1"/>
+          <p:cNvSpPr>
+            <a:spLocks noGrp="1"/>
+          </p:cNvSpPr>
+          <p:nvPr>
+            <p:ph type="title"/>
+          </p:nvPr>
+        </p:nvSpPr>
+        <p:spPr/>
+        <p:txBody>
+          <a:bodyPr/>
+          <a:lstStyle/>
+          <a:p>
+            <a:pPr lvl="0" indent="0" marL="0">
+              <a:buNone/>
+            </a:pPr>
+            <a:r>
+              <a:rPr/>
+              <a:t>Bees Algorithm</a:t>
+            </a:r>
+          </a:p>
+        </p:txBody>
+      </p:sp>
+      <p:sp>
+        <p:nvSpPr>
+          <p:cNvPr id="3" name="Content Placeholder 2"/>
+          <p:cNvSpPr>
+            <a:spLocks noGrp="1"/>
+          </p:cNvSpPr>
+          <p:nvPr>
+            <p:ph idx="1"/>
+          </p:nvPr>
+        </p:nvSpPr>
+        <p:spPr/>
+        <p:txBody>
+          <a:bodyPr/>
+          <a:lstStyle/>
+          <a:p>
+            <a:pPr lvl="0"/>
+            <a:r>
+              <a:rPr/>
+              <a:t>https://en.wikipedia.org/wiki/Bees_algorithm</a:t>
+            </a:r>
+          </a:p>
+          <a:p>
+            <a:pPr lvl="0"/>
+            <a:r>
+              <a:rPr/>
+              <a:t>http://beesalgorithmsite.altervista.org/Downloads.htm</a:t>
+            </a:r>
+          </a:p>
+        </p:txBody>
+      </p:sp>
+    </p:spTree>
+  </p:cSld>
+</p:sld>
+</file>
+
 <file path=ppt/slides/slide2.xml><?xml version="1.0" encoding="utf-8"?>
 <p:sld xmlns:a="http://schemas.openxmlformats.org/drawingml/2006/main" xmlns:r="http://schemas.openxmlformats.org/officeDocument/2006/relationships" xmlns:p="http://schemas.openxmlformats.org/presentationml/2006/main">
   <p:cSld>
@@ -3257,6 +4175,544 @@
           </a:p>
         </p:txBody>
       </p:sp>
+    </p:spTree>
+  </p:cSld>
+</p:sld>
+</file>
+
+<file path=ppt/slides/slide20.xml><?xml version="1.0" encoding="utf-8"?>
+<p:sld xmlns:a="http://schemas.openxmlformats.org/drawingml/2006/main" xmlns:r="http://schemas.openxmlformats.org/officeDocument/2006/relationships" xmlns:p="http://schemas.openxmlformats.org/presentationml/2006/main">
+  <p:cSld>
+    <p:spTree>
+      <p:nvGrpSpPr>
+        <p:cNvPr id="1" name=""/>
+        <p:cNvGrpSpPr/>
+        <p:nvPr/>
+      </p:nvGrpSpPr>
+      <p:grpSpPr>
+        <a:xfrm>
+          <a:off x="0" y="0"/>
+          <a:ext cx="0" cy="0"/>
+          <a:chOff x="0" y="0"/>
+          <a:chExt cx="0" cy="0"/>
+        </a:xfrm>
+      </p:grpSpPr>
+      <p:sp>
+        <p:nvSpPr>
+          <p:cNvPr id="2" name="Title 1"/>
+          <p:cNvSpPr>
+            <a:spLocks noGrp="1"/>
+          </p:cNvSpPr>
+          <p:nvPr>
+            <p:ph type="title"/>
+          </p:nvPr>
+        </p:nvSpPr>
+        <p:spPr/>
+        <p:txBody>
+          <a:bodyPr/>
+          <a:lstStyle/>
+          <a:p>
+            <a:pPr lvl="0" indent="0" marL="0">
+              <a:buNone/>
+            </a:pPr>
+            <a:r>
+              <a:rPr/>
+              <a:t>Lucky Sort</a:t>
+            </a:r>
+          </a:p>
+        </p:txBody>
+      </p:sp>
+      <p:sp>
+        <p:nvSpPr>
+          <p:cNvPr id="3" name="Content Placeholder 2"/>
+          <p:cNvSpPr>
+            <a:spLocks noGrp="1"/>
+          </p:cNvSpPr>
+          <p:nvPr>
+            <p:ph idx="1"/>
+          </p:nvPr>
+        </p:nvSpPr>
+        <p:spPr/>
+        <p:txBody>
+          <a:bodyPr/>
+          <a:lstStyle/>
+          <a:p>
+            <a:pPr lvl="0"/>
+            <a:r>
+              <a:rPr/>
+              <a:t>https://xlinux.nist.gov/dads/HTML/luckySort.html</a:t>
+            </a:r>
+          </a:p>
+        </p:txBody>
+      </p:sp>
+    </p:spTree>
+  </p:cSld>
+</p:sld>
+</file>
+
+<file path=ppt/slides/slide21.xml><?xml version="1.0" encoding="utf-8"?>
+<p:sld xmlns:a="http://schemas.openxmlformats.org/drawingml/2006/main" xmlns:r="http://schemas.openxmlformats.org/officeDocument/2006/relationships" xmlns:p="http://schemas.openxmlformats.org/presentationml/2006/main">
+  <p:cSld>
+    <p:spTree>
+      <p:nvGrpSpPr>
+        <p:cNvPr id="1" name=""/>
+        <p:cNvGrpSpPr/>
+        <p:nvPr/>
+      </p:nvGrpSpPr>
+      <p:grpSpPr>
+        <a:xfrm>
+          <a:off x="0" y="0"/>
+          <a:ext cx="0" cy="0"/>
+          <a:chOff x="0" y="0"/>
+          <a:chExt cx="0" cy="0"/>
+        </a:xfrm>
+      </p:grpSpPr>
+      <p:sp>
+        <p:nvSpPr>
+          <p:cNvPr id="2" name="Title 1"/>
+          <p:cNvSpPr>
+            <a:spLocks noGrp="1"/>
+          </p:cNvSpPr>
+          <p:nvPr>
+            <p:ph type="title"/>
+          </p:nvPr>
+        </p:nvSpPr>
+        <p:spPr/>
+        <p:txBody>
+          <a:bodyPr/>
+          <a:lstStyle/>
+          <a:p>
+            <a:pPr lvl="0" indent="0" marL="0">
+              <a:buNone/>
+            </a:pPr>
+            <a:r>
+              <a:rPr/>
+              <a:t>Indirect Sort (Pointer Sort)</a:t>
+            </a:r>
+          </a:p>
+        </p:txBody>
+      </p:sp>
+      <p:sp>
+        <p:nvSpPr>
+          <p:cNvPr id="3" name="Content Placeholder 2"/>
+          <p:cNvSpPr>
+            <a:spLocks noGrp="1"/>
+          </p:cNvSpPr>
+          <p:nvPr>
+            <p:ph idx="1"/>
+          </p:nvPr>
+        </p:nvSpPr>
+        <p:spPr/>
+        <p:txBody>
+          <a:bodyPr/>
+          <a:lstStyle/>
+          <a:p>
+            <a:pPr lvl="0"/>
+            <a:r>
+              <a:rPr/>
+              <a:t>https://xlinux.nist.gov/dads/HTML/internalsort.html</a:t>
+            </a:r>
+          </a:p>
+        </p:txBody>
+      </p:sp>
+    </p:spTree>
+  </p:cSld>
+</p:sld>
+</file>
+
+<file path=ppt/slides/slide22.xml><?xml version="1.0" encoding="utf-8"?>
+<p:sld xmlns:a="http://schemas.openxmlformats.org/drawingml/2006/main" xmlns:r="http://schemas.openxmlformats.org/officeDocument/2006/relationships" xmlns:p="http://schemas.openxmlformats.org/presentationml/2006/main">
+  <p:cSld>
+    <p:spTree>
+      <p:nvGrpSpPr>
+        <p:cNvPr id="1" name=""/>
+        <p:cNvGrpSpPr/>
+        <p:nvPr/>
+      </p:nvGrpSpPr>
+      <p:grpSpPr>
+        <a:xfrm>
+          <a:off x="0" y="0"/>
+          <a:ext cx="0" cy="0"/>
+          <a:chOff x="0" y="0"/>
+          <a:chExt cx="0" cy="0"/>
+        </a:xfrm>
+      </p:grpSpPr>
+      <p:sp>
+        <p:nvSpPr>
+          <p:cNvPr id="2" name="Title 1"/>
+          <p:cNvSpPr>
+            <a:spLocks noGrp="1"/>
+          </p:cNvSpPr>
+          <p:nvPr>
+            <p:ph type="title"/>
+          </p:nvPr>
+        </p:nvSpPr>
+        <p:spPr/>
+        <p:txBody>
+          <a:bodyPr/>
+          <a:lstStyle/>
+          <a:p>
+            <a:pPr lvl="0" indent="0" marL="0">
+              <a:buNone/>
+            </a:pPr>
+            <a:r>
+              <a:rPr/>
+              <a:t>External Sort (Segmented Sort)</a:t>
+            </a:r>
+          </a:p>
+        </p:txBody>
+      </p:sp>
+      <p:sp>
+        <p:nvSpPr>
+          <p:cNvPr id="3" name="Content Placeholder 2"/>
+          <p:cNvSpPr>
+            <a:spLocks noGrp="1"/>
+          </p:cNvSpPr>
+          <p:nvPr>
+            <p:ph idx="1"/>
+          </p:nvPr>
+        </p:nvSpPr>
+        <p:spPr/>
+        <p:txBody>
+          <a:bodyPr/>
+          <a:lstStyle/>
+          <a:p>
+            <a:pPr lvl="0"/>
+            <a:r>
+              <a:rPr/>
+              <a:t>https://xlinux.nist.gov/dads/HTML/externalsort.html</a:t>
+            </a:r>
+          </a:p>
+          <a:p>
+            <a:pPr lvl="0"/>
+            <a:r>
+              <a:rPr/>
+              <a:t>https://xlinux.nist.gov/dads/HTML/externalMemoryAlgo.html</a:t>
+            </a:r>
+          </a:p>
+        </p:txBody>
+      </p:sp>
+    </p:spTree>
+  </p:cSld>
+</p:sld>
+</file>
+
+<file path=ppt/slides/slide23.xml><?xml version="1.0" encoding="utf-8"?>
+<p:sld xmlns:a="http://schemas.openxmlformats.org/drawingml/2006/main" xmlns:r="http://schemas.openxmlformats.org/officeDocument/2006/relationships" xmlns:p="http://schemas.openxmlformats.org/presentationml/2006/main">
+  <p:cSld>
+    <p:spTree>
+      <p:nvGrpSpPr>
+        <p:cNvPr id="1" name=""/>
+        <p:cNvGrpSpPr/>
+        <p:nvPr/>
+      </p:nvGrpSpPr>
+      <p:grpSpPr>
+        <a:xfrm>
+          <a:off x="0" y="0"/>
+          <a:ext cx="0" cy="0"/>
+          <a:chOff x="0" y="0"/>
+          <a:chExt cx="0" cy="0"/>
+        </a:xfrm>
+      </p:grpSpPr>
+      <p:sp>
+        <p:nvSpPr>
+          <p:cNvPr id="2" name="Title 1"/>
+          <p:cNvSpPr>
+            <a:spLocks noGrp="1"/>
+          </p:cNvSpPr>
+          <p:nvPr>
+            <p:ph type="title"/>
+          </p:nvPr>
+        </p:nvSpPr>
+        <p:spPr/>
+        <p:txBody>
+          <a:bodyPr/>
+          <a:lstStyle/>
+          <a:p>
+            <a:pPr lvl="0" indent="0" marL="0">
+              <a:buNone/>
+            </a:pPr>
+            <a:r>
+              <a:rPr/>
+              <a:t>Shaker Sort / Bidirectional Bubble Sort</a:t>
+            </a:r>
+          </a:p>
+        </p:txBody>
+      </p:sp>
+      <p:sp>
+        <p:nvSpPr>
+          <p:cNvPr id="3" name="Content Placeholder 2"/>
+          <p:cNvSpPr>
+            <a:spLocks noGrp="1"/>
+          </p:cNvSpPr>
+          <p:nvPr>
+            <p:ph idx="1"/>
+          </p:nvPr>
+        </p:nvSpPr>
+        <p:spPr/>
+        <p:txBody>
+          <a:bodyPr/>
+          <a:lstStyle/>
+          <a:p>
+            <a:pPr lvl="0"/>
+            <a:r>
+              <a:rPr/>
+              <a:t>https://xlinux.nist.gov/dads/HTML/bidirectionalBubbleSort.html</a:t>
+            </a:r>
+          </a:p>
+        </p:txBody>
+      </p:sp>
+    </p:spTree>
+  </p:cSld>
+</p:sld>
+</file>
+
+<file path=ppt/slides/slide24.xml><?xml version="1.0" encoding="utf-8"?>
+<p:sld xmlns:a="http://schemas.openxmlformats.org/drawingml/2006/main" xmlns:r="http://schemas.openxmlformats.org/officeDocument/2006/relationships" xmlns:p="http://schemas.openxmlformats.org/presentationml/2006/main">
+  <p:cSld>
+    <p:spTree>
+      <p:nvGrpSpPr>
+        <p:cNvPr id="1" name=""/>
+        <p:cNvGrpSpPr/>
+        <p:nvPr/>
+      </p:nvGrpSpPr>
+      <p:grpSpPr>
+        <a:xfrm>
+          <a:off x="0" y="0"/>
+          <a:ext cx="0" cy="0"/>
+          <a:chOff x="0" y="0"/>
+          <a:chExt cx="0" cy="0"/>
+        </a:xfrm>
+      </p:grpSpPr>
+      <p:sp>
+        <p:nvSpPr>
+          <p:cNvPr id="2" name="Title 1"/>
+          <p:cNvSpPr>
+            <a:spLocks noGrp="1"/>
+          </p:cNvSpPr>
+          <p:nvPr>
+            <p:ph type="title"/>
+          </p:nvPr>
+        </p:nvSpPr>
+        <p:spPr/>
+        <p:txBody>
+          <a:bodyPr/>
+          <a:lstStyle/>
+          <a:p>
+            <a:pPr lvl="0" indent="0" marL="0">
+              <a:buNone/>
+            </a:pPr>
+            <a:r>
+              <a:rPr/>
+              <a:t>Shell Sort</a:t>
+            </a:r>
+          </a:p>
+        </p:txBody>
+      </p:sp>
+      <p:sp>
+        <p:nvSpPr>
+          <p:cNvPr id="3" name="Content Placeholder 2"/>
+          <p:cNvSpPr>
+            <a:spLocks noGrp="1"/>
+          </p:cNvSpPr>
+          <p:nvPr>
+            <p:ph idx="1"/>
+          </p:nvPr>
+        </p:nvSpPr>
+        <p:spPr/>
+        <p:txBody>
+          <a:bodyPr/>
+          <a:lstStyle/>
+          <a:p>
+            <a:pPr lvl="0"/>
+            <a:r>
+              <a:rPr/>
+              <a:t>https://www.programiz.com/dsa/shell-sort</a:t>
+            </a:r>
+          </a:p>
+          <a:p>
+            <a:pPr lvl="0"/>
+            <a:r>
+              <a:rPr/>
+              <a:t>https://rosettacode.org/wiki/Sorting_algorithms/Shell_sort</a:t>
+            </a:r>
+          </a:p>
+        </p:txBody>
+      </p:sp>
+    </p:spTree>
+  </p:cSld>
+</p:sld>
+</file>
+
+<file path=ppt/slides/slide25.xml><?xml version="1.0" encoding="utf-8"?>
+<p:sld xmlns:a="http://schemas.openxmlformats.org/drawingml/2006/main" xmlns:r="http://schemas.openxmlformats.org/officeDocument/2006/relationships" xmlns:p="http://schemas.openxmlformats.org/presentationml/2006/main">
+  <p:cSld>
+    <p:spTree>
+      <p:nvGrpSpPr>
+        <p:cNvPr id="1" name=""/>
+        <p:cNvGrpSpPr/>
+        <p:nvPr/>
+      </p:nvGrpSpPr>
+      <p:grpSpPr>
+        <a:xfrm>
+          <a:off x="0" y="0"/>
+          <a:ext cx="0" cy="0"/>
+          <a:chOff x="0" y="0"/>
+          <a:chExt cx="0" cy="0"/>
+        </a:xfrm>
+      </p:grpSpPr>
+      <p:sp>
+        <p:nvSpPr>
+          <p:cNvPr id="2" name="Title 1"/>
+          <p:cNvSpPr>
+            <a:spLocks noGrp="1"/>
+          </p:cNvSpPr>
+          <p:nvPr>
+            <p:ph type="title"/>
+          </p:nvPr>
+        </p:nvSpPr>
+        <p:spPr/>
+        <p:txBody>
+          <a:bodyPr/>
+          <a:lstStyle/>
+          <a:p>
+            <a:pPr lvl="0" indent="0" marL="0">
+              <a:buNone/>
+            </a:pPr>
+            <a:r>
+              <a:rPr/>
+              <a:t>Comparison of Sorting Methods</a:t>
+            </a:r>
+          </a:p>
+        </p:txBody>
+      </p:sp>
+      <p:sp>
+        <p:nvSpPr>
+          <p:cNvPr id="3" name="Content Placeholder 2"/>
+          <p:cNvSpPr>
+            <a:spLocks noGrp="1"/>
+          </p:cNvSpPr>
+          <p:nvPr>
+            <p:ph idx="1"/>
+          </p:nvPr>
+        </p:nvSpPr>
+        <p:spPr/>
+        <p:txBody>
+          <a:bodyPr/>
+          <a:lstStyle/>
+          <a:p>
+            <a:pPr lvl="0"/>
+            <a:r>
+              <a:rPr/>
+              <a:t>http://www.btechsmartclass.com/data_structures/comparison-of-sorting-methods.html</a:t>
+            </a:r>
+          </a:p>
+        </p:txBody>
+      </p:sp>
+    </p:spTree>
+  </p:cSld>
+</p:sld>
+</file>
+
+<file path=ppt/slides/slide26.xml><?xml version="1.0" encoding="utf-8"?>
+<p:sld xmlns:a="http://schemas.openxmlformats.org/drawingml/2006/main" xmlns:r="http://schemas.openxmlformats.org/officeDocument/2006/relationships" xmlns:p="http://schemas.openxmlformats.org/presentationml/2006/main">
+  <p:cSld>
+    <p:spTree>
+      <p:nvGrpSpPr>
+        <p:cNvPr id="1" name=""/>
+        <p:cNvGrpSpPr/>
+        <p:nvPr/>
+      </p:nvGrpSpPr>
+      <p:grpSpPr>
+        <a:xfrm>
+          <a:off x="0" y="0"/>
+          <a:ext cx="0" cy="0"/>
+          <a:chOff x="0" y="0"/>
+          <a:chExt cx="0" cy="0"/>
+        </a:xfrm>
+      </p:grpSpPr>
+      <mc:AlternateContent xmlns:mc="http://schemas.openxmlformats.org/markup-compatibility/2006">
+        <mc:Choice xmlns:a14="http://schemas.microsoft.com/office/drawing/2010/main" Requires="a14">
+          <p:sp>
+            <p:nvSpPr>
+              <p:cNvPr id="3" name="Content Placeholder 2"/>
+              <p:cNvSpPr>
+                <a:spLocks noGrp="1"/>
+              </p:cNvSpPr>
+              <p:nvPr>
+                <p:ph idx="1"/>
+              </p:nvPr>
+            </p:nvSpPr>
+            <p:spPr/>
+            <p:txBody>
+              <a:bodyPr/>
+              <a:lstStyle/>
+              <a:p>
+                <a:pPr lvl="0" indent="0" marL="0">
+                  <a:buNone/>
+                </a:pPr>
+                <a14:m>
+                  <m:oMathPara xmlns:m="http://schemas.openxmlformats.org/officeDocument/2006/math">
+                    <m:oMathParaPr>
+                      <m:jc m:val="center"/>
+                    </m:oMathParaPr>
+                    <m:oMath>
+                      <m:r>
+                        <m:t>E</m:t>
+                      </m:r>
+                      <m:r>
+                        <m:t>n</m:t>
+                      </m:r>
+                      <m:r>
+                        <m:t>d</m:t>
+                      </m:r>
+                      <m:r>
+                        <m:rPr>
+                          <m:sty m:val="p"/>
+                        </m:rPr>
+                        <m:t>−</m:t>
+                      </m:r>
+                      <m:r>
+                        <m:t>O</m:t>
+                      </m:r>
+                      <m:r>
+                        <m:t>f</m:t>
+                      </m:r>
+                      <m:r>
+                        <m:rPr>
+                          <m:sty m:val="p"/>
+                        </m:rPr>
+                        <m:t>−</m:t>
+                      </m:r>
+                      <m:r>
+                        <m:t>W</m:t>
+                      </m:r>
+                      <m:r>
+                        <m:t>e</m:t>
+                      </m:r>
+                      <m:r>
+                        <m:t>e</m:t>
+                      </m:r>
+                      <m:r>
+                        <m:t>k</m:t>
+                      </m:r>
+                      <m:r>
+                        <m:rPr>
+                          <m:sty m:val="p"/>
+                        </m:rPr>
+                        <m:t>−</m:t>
+                      </m:r>
+                      <m:r>
+                        <m:t>9</m:t>
+                      </m:r>
+                    </m:oMath>
+                  </m:oMathPara>
+                </a14:m>
+              </a:p>
+            </p:txBody>
+          </p:sp>
+        </mc:Choice>
+      </mc:AlternateContent>
     </p:spTree>
   </p:cSld>
 </p:sld>
@@ -3403,6 +4859,524 @@
                 <a:hlinkClick r:id="rId4"/>
               </a:rPr>
               <a:t>PPTX</a:t>
+            </a:r>
+          </a:p>
+        </p:txBody>
+      </p:sp>
+    </p:spTree>
+  </p:cSld>
+</p:sld>
+</file>
+
+<file path=ppt/slides/slide5.xml><?xml version="1.0" encoding="utf-8"?>
+<p:sld xmlns:a="http://schemas.openxmlformats.org/drawingml/2006/main" xmlns:r="http://schemas.openxmlformats.org/officeDocument/2006/relationships" xmlns:p="http://schemas.openxmlformats.org/presentationml/2006/main">
+  <p:cSld>
+    <p:spTree>
+      <p:nvGrpSpPr>
+        <p:cNvPr id="1" name=""/>
+        <p:cNvGrpSpPr/>
+        <p:nvPr/>
+      </p:nvGrpSpPr>
+      <p:grpSpPr>
+        <a:xfrm>
+          <a:off x="0" y="0"/>
+          <a:ext cx="0" cy="0"/>
+          <a:chOff x="0" y="0"/>
+          <a:chExt cx="0" cy="0"/>
+        </a:xfrm>
+      </p:grpSpPr>
+      <p:sp>
+        <p:nvSpPr>
+          <p:cNvPr id="2" name="Title 1"/>
+          <p:cNvSpPr>
+            <a:spLocks noGrp="1"/>
+          </p:cNvSpPr>
+          <p:nvPr>
+            <p:ph type="title"/>
+          </p:nvPr>
+        </p:nvSpPr>
+        <p:spPr/>
+        <p:txBody>
+          <a:bodyPr/>
+          <a:lstStyle/>
+          <a:p>
+            <a:pPr lvl="0" indent="0" marL="0">
+              <a:buNone/>
+            </a:pPr>
+            <a:r>
+              <a:rPr/>
+              <a:t>Outline</a:t>
+            </a:r>
+          </a:p>
+        </p:txBody>
+      </p:sp>
+      <p:sp>
+        <p:nvSpPr>
+          <p:cNvPr id="3" name="Content Placeholder 2"/>
+          <p:cNvSpPr>
+            <a:spLocks noGrp="1"/>
+          </p:cNvSpPr>
+          <p:nvPr>
+            <p:ph idx="1"/>
+          </p:nvPr>
+        </p:nvSpPr>
+        <p:spPr/>
+        <p:txBody>
+          <a:bodyPr/>
+          <a:lstStyle/>
+          <a:p>
+            <a:pPr lvl="0"/>
+            <a:r>
+              <a:rPr/>
+              <a:t>Resources</a:t>
+            </a:r>
+          </a:p>
+          <a:p>
+            <a:pPr lvl="0"/>
+            <a:r>
+              <a:rPr/>
+              <a:t>Sortings</a:t>
+            </a:r>
+          </a:p>
+        </p:txBody>
+      </p:sp>
+    </p:spTree>
+  </p:cSld>
+</p:sld>
+</file>
+
+<file path=ppt/slides/slide6.xml><?xml version="1.0" encoding="utf-8"?>
+<p:sld xmlns:a="http://schemas.openxmlformats.org/drawingml/2006/main" xmlns:r="http://schemas.openxmlformats.org/officeDocument/2006/relationships" xmlns:p="http://schemas.openxmlformats.org/presentationml/2006/main">
+  <p:cSld>
+    <p:spTree>
+      <p:nvGrpSpPr>
+        <p:cNvPr id="1" name=""/>
+        <p:cNvGrpSpPr/>
+        <p:nvPr/>
+      </p:nvGrpSpPr>
+      <p:grpSpPr>
+        <a:xfrm>
+          <a:off x="0" y="0"/>
+          <a:ext cx="0" cy="0"/>
+          <a:chOff x="0" y="0"/>
+          <a:chExt cx="0" cy="0"/>
+        </a:xfrm>
+      </p:grpSpPr>
+      <p:sp>
+        <p:nvSpPr>
+          <p:cNvPr id="2" name="Title 1"/>
+          <p:cNvSpPr>
+            <a:spLocks noGrp="1"/>
+          </p:cNvSpPr>
+          <p:nvPr>
+            <p:ph type="title"/>
+          </p:nvPr>
+        </p:nvSpPr>
+        <p:spPr/>
+        <p:txBody>
+          <a:bodyPr/>
+          <a:lstStyle/>
+          <a:p>
+            <a:pPr lvl="0" indent="0" marL="0">
+              <a:buNone/>
+            </a:pPr>
+            <a:r>
+              <a:rPr/>
+              <a:t>Outline</a:t>
+            </a:r>
+          </a:p>
+        </p:txBody>
+      </p:sp>
+      <p:sp>
+        <p:nvSpPr>
+          <p:cNvPr id="3" name="Content Placeholder 2"/>
+          <p:cNvSpPr>
+            <a:spLocks noGrp="1"/>
+          </p:cNvSpPr>
+          <p:nvPr>
+            <p:ph idx="1"/>
+          </p:nvPr>
+        </p:nvSpPr>
+        <p:spPr/>
+        <p:txBody>
+          <a:bodyPr/>
+          <a:lstStyle/>
+          <a:p>
+            <a:pPr lvl="0"/>
+            <a:r>
+              <a:rPr/>
+              <a:t>Insertion Sort</a:t>
+            </a:r>
+          </a:p>
+          <a:p>
+            <a:pPr lvl="0"/>
+            <a:r>
+              <a:rPr/>
+              <a:t>Selection Sort</a:t>
+            </a:r>
+          </a:p>
+          <a:p>
+            <a:pPr lvl="0"/>
+            <a:r>
+              <a:rPr/>
+              <a:t>Radix Sort</a:t>
+            </a:r>
+          </a:p>
+          <a:p>
+            <a:pPr lvl="0"/>
+            <a:r>
+              <a:rPr/>
+              <a:t>Quick Sort</a:t>
+            </a:r>
+          </a:p>
+          <a:p>
+            <a:pPr lvl="0"/>
+            <a:r>
+              <a:rPr/>
+              <a:t>Heap Sort</a:t>
+            </a:r>
+          </a:p>
+          <a:p>
+            <a:pPr lvl="0"/>
+            <a:r>
+              <a:rPr/>
+              <a:t>Permutation Sort</a:t>
+            </a:r>
+          </a:p>
+          <a:p>
+            <a:pPr lvl="0"/>
+            <a:r>
+              <a:rPr/>
+              <a:t>Gnome Sort</a:t>
+            </a:r>
+          </a:p>
+          <a:p>
+            <a:pPr lvl="0"/>
+            <a:r>
+              <a:rPr/>
+              <a:t>Comb Sort</a:t>
+            </a:r>
+          </a:p>
+        </p:txBody>
+      </p:sp>
+    </p:spTree>
+  </p:cSld>
+</p:sld>
+</file>
+
+<file path=ppt/slides/slide7.xml><?xml version="1.0" encoding="utf-8"?>
+<p:sld xmlns:a="http://schemas.openxmlformats.org/drawingml/2006/main" xmlns:r="http://schemas.openxmlformats.org/officeDocument/2006/relationships" xmlns:p="http://schemas.openxmlformats.org/presentationml/2006/main">
+  <p:cSld>
+    <p:spTree>
+      <p:nvGrpSpPr>
+        <p:cNvPr id="1" name=""/>
+        <p:cNvGrpSpPr/>
+        <p:nvPr/>
+      </p:nvGrpSpPr>
+      <p:grpSpPr>
+        <a:xfrm>
+          <a:off x="0" y="0"/>
+          <a:ext cx="0" cy="0"/>
+          <a:chOff x="0" y="0"/>
+          <a:chExt cx="0" cy="0"/>
+        </a:xfrm>
+      </p:grpSpPr>
+      <p:sp>
+        <p:nvSpPr>
+          <p:cNvPr id="2" name="Title 1"/>
+          <p:cNvSpPr>
+            <a:spLocks noGrp="1"/>
+          </p:cNvSpPr>
+          <p:nvPr>
+            <p:ph type="title"/>
+          </p:nvPr>
+        </p:nvSpPr>
+        <p:spPr/>
+        <p:txBody>
+          <a:bodyPr/>
+          <a:lstStyle/>
+          <a:p>
+            <a:pPr lvl="0" indent="0" marL="0">
+              <a:buNone/>
+            </a:pPr>
+            <a:r>
+              <a:rPr/>
+              <a:t>Outline</a:t>
+            </a:r>
+          </a:p>
+        </p:txBody>
+      </p:sp>
+      <p:sp>
+        <p:nvSpPr>
+          <p:cNvPr id="3" name="Content Placeholder 2"/>
+          <p:cNvSpPr>
+            <a:spLocks noGrp="1"/>
+          </p:cNvSpPr>
+          <p:nvPr>
+            <p:ph idx="1"/>
+          </p:nvPr>
+        </p:nvSpPr>
+        <p:spPr/>
+        <p:txBody>
+          <a:bodyPr/>
+          <a:lstStyle/>
+          <a:p>
+            <a:pPr lvl="0"/>
+            <a:r>
+              <a:rPr/>
+              <a:t>Flash Sort</a:t>
+            </a:r>
+          </a:p>
+          <a:p>
+            <a:pPr lvl="0"/>
+            <a:r>
+              <a:rPr/>
+              <a:t>Stooge Sort</a:t>
+            </a:r>
+          </a:p>
+          <a:p>
+            <a:pPr lvl="0"/>
+            <a:r>
+              <a:rPr/>
+              <a:t>Bees Algorithm</a:t>
+            </a:r>
+          </a:p>
+          <a:p>
+            <a:pPr lvl="0"/>
+            <a:r>
+              <a:rPr/>
+              <a:t>Lucky Sort</a:t>
+            </a:r>
+          </a:p>
+          <a:p>
+            <a:pPr lvl="0"/>
+            <a:r>
+              <a:rPr/>
+              <a:t>Indirect Sort (Pointer Sort)</a:t>
+            </a:r>
+          </a:p>
+          <a:p>
+            <a:pPr lvl="0"/>
+            <a:r>
+              <a:rPr/>
+              <a:t>External Sort (Segmented Sort)</a:t>
+            </a:r>
+          </a:p>
+          <a:p>
+            <a:pPr lvl="0"/>
+            <a:r>
+              <a:rPr/>
+              <a:t>Shaker Sort / Bidirectional Bubble Sort</a:t>
+            </a:r>
+          </a:p>
+          <a:p>
+            <a:pPr lvl="0"/>
+            <a:r>
+              <a:rPr/>
+              <a:t>Shell Sort</a:t>
+            </a:r>
+          </a:p>
+          <a:p>
+            <a:pPr lvl="0"/>
+            <a:r>
+              <a:rPr/>
+              <a:t>Comparison of Sorting Methods</a:t>
+            </a:r>
+          </a:p>
+        </p:txBody>
+      </p:sp>
+    </p:spTree>
+  </p:cSld>
+</p:sld>
+</file>
+
+<file path=ppt/slides/slide8.xml><?xml version="1.0" encoding="utf-8"?>
+<p:sld xmlns:a="http://schemas.openxmlformats.org/drawingml/2006/main" xmlns:r="http://schemas.openxmlformats.org/officeDocument/2006/relationships" xmlns:p="http://schemas.openxmlformats.org/presentationml/2006/main">
+  <p:cSld>
+    <p:spTree>
+      <p:nvGrpSpPr>
+        <p:cNvPr id="1" name=""/>
+        <p:cNvGrpSpPr/>
+        <p:nvPr/>
+      </p:nvGrpSpPr>
+      <p:grpSpPr>
+        <a:xfrm>
+          <a:off x="0" y="0"/>
+          <a:ext cx="0" cy="0"/>
+          <a:chOff x="0" y="0"/>
+          <a:chExt cx="0" cy="0"/>
+        </a:xfrm>
+      </p:grpSpPr>
+      <p:sp>
+        <p:nvSpPr>
+          <p:cNvPr id="2" name="Title 1"/>
+          <p:cNvSpPr>
+            <a:spLocks noGrp="1"/>
+          </p:cNvSpPr>
+          <p:nvPr>
+            <p:ph type="title"/>
+          </p:nvPr>
+        </p:nvSpPr>
+        <p:spPr/>
+        <p:txBody>
+          <a:bodyPr/>
+          <a:lstStyle/>
+          <a:p>
+            <a:pPr lvl="0" indent="0" marL="0">
+              <a:buNone/>
+            </a:pPr>
+            <a:r>
+              <a:rPr/>
+              <a:t>Resources</a:t>
+            </a:r>
+          </a:p>
+        </p:txBody>
+      </p:sp>
+      <p:sp>
+        <p:nvSpPr>
+          <p:cNvPr id="3" name="Content Placeholder 2"/>
+          <p:cNvSpPr>
+            <a:spLocks noGrp="1"/>
+          </p:cNvSpPr>
+          <p:nvPr>
+            <p:ph idx="1"/>
+          </p:nvPr>
+        </p:nvSpPr>
+        <p:spPr/>
+        <p:txBody>
+          <a:bodyPr/>
+          <a:lstStyle/>
+          <a:p>
+            <a:pPr lvl="0"/>
+            <a:r>
+              <a:rPr/>
+              <a:t>https://www.cs.usfca.edu/~galles/visualization/Algorithms.html</a:t>
+            </a:r>
+          </a:p>
+          <a:p>
+            <a:pPr lvl="0"/>
+            <a:r>
+              <a:rPr/>
+              <a:t>https://www.geeksforgeeks.org/sorting-algorithms/</a:t>
+            </a:r>
+          </a:p>
+          <a:p>
+            <a:pPr lvl="0"/>
+            <a:r>
+              <a:rPr/>
+              <a:t>https://sorting.at/</a:t>
+            </a:r>
+          </a:p>
+          <a:p>
+            <a:pPr lvl="0"/>
+            <a:r>
+              <a:rPr/>
+              <a:t>https://xlinux.nist.gov/dads/HTML/sort.html</a:t>
+            </a:r>
+          </a:p>
+          <a:p>
+            <a:pPr lvl="0"/>
+            <a:r>
+              <a:rPr/>
+              <a:t>https://xlinux.nist.gov/dads/</a:t>
+            </a:r>
+          </a:p>
+        </p:txBody>
+      </p:sp>
+    </p:spTree>
+  </p:cSld>
+</p:sld>
+</file>
+
+<file path=ppt/slides/slide9.xml><?xml version="1.0" encoding="utf-8"?>
+<p:sld xmlns:a="http://schemas.openxmlformats.org/drawingml/2006/main" xmlns:r="http://schemas.openxmlformats.org/officeDocument/2006/relationships" xmlns:p="http://schemas.openxmlformats.org/presentationml/2006/main">
+  <p:cSld>
+    <p:spTree>
+      <p:nvGrpSpPr>
+        <p:cNvPr id="1" name=""/>
+        <p:cNvGrpSpPr/>
+        <p:nvPr/>
+      </p:nvGrpSpPr>
+      <p:grpSpPr>
+        <a:xfrm>
+          <a:off x="0" y="0"/>
+          <a:ext cx="0" cy="0"/>
+          <a:chOff x="0" y="0"/>
+          <a:chExt cx="0" cy="0"/>
+        </a:xfrm>
+      </p:grpSpPr>
+      <p:sp>
+        <p:nvSpPr>
+          <p:cNvPr id="2" name="Title 1"/>
+          <p:cNvSpPr>
+            <a:spLocks noGrp="1"/>
+          </p:cNvSpPr>
+          <p:nvPr>
+            <p:ph type="title"/>
+          </p:nvPr>
+        </p:nvSpPr>
+        <p:spPr/>
+        <p:txBody>
+          <a:bodyPr/>
+          <a:lstStyle/>
+          <a:p>
+            <a:pPr lvl="0" indent="0" marL="0">
+              <a:buNone/>
+            </a:pPr>
+            <a:r>
+              <a:rPr/>
+              <a:t>Insertion Sort</a:t>
+            </a:r>
+          </a:p>
+        </p:txBody>
+      </p:sp>
+      <p:sp>
+        <p:nvSpPr>
+          <p:cNvPr id="3" name="Content Placeholder 2"/>
+          <p:cNvSpPr>
+            <a:spLocks noGrp="1"/>
+          </p:cNvSpPr>
+          <p:nvPr>
+            <p:ph idx="1"/>
+          </p:nvPr>
+        </p:nvSpPr>
+        <p:spPr/>
+        <p:txBody>
+          <a:bodyPr/>
+          <a:lstStyle/>
+          <a:p>
+            <a:pPr lvl="0"/>
+            <a:r>
+              <a:rPr/>
+              <a:t>https://www.programiz.com/dsa/insertion-sort</a:t>
+            </a:r>
+          </a:p>
+          <a:p>
+            <a:pPr lvl="0"/>
+            <a:r>
+              <a:rPr/>
+              <a:t>https://visualgo.net/en/sorting (select INS)</a:t>
+            </a:r>
+          </a:p>
+          <a:p>
+            <a:pPr lvl="0"/>
+            <a:r>
+              <a:rPr/>
+              <a:t>http://www.btechsmartclass.com/data_structures/insertion-sort.html</a:t>
+            </a:r>
+          </a:p>
+          <a:p>
+            <a:pPr lvl="0"/>
+            <a:r>
+              <a:rPr/>
+              <a:t>https://rosettacode.org/wiki/Sorting_algorithms/Insertion_sort</a:t>
+            </a:r>
+          </a:p>
+          <a:p>
+            <a:pPr lvl="0"/>
+            <a:r>
+              <a:rPr/>
+              <a:t>https://xlinux.nist.gov/dads/HTML/insertionSort.html</a:t>
             </a:r>
           </a:p>
         </p:txBody>
